--- a/PythonWithDjangoIntro.pptx
+++ b/PythonWithDjangoIntro.pptx
@@ -14,19 +14,21 @@
     <p:sldId id="505" r:id="rId8"/>
     <p:sldId id="504" r:id="rId9"/>
     <p:sldId id="506" r:id="rId10"/>
-    <p:sldId id="507" r:id="rId11"/>
-    <p:sldId id="508" r:id="rId12"/>
-    <p:sldId id="509" r:id="rId13"/>
-    <p:sldId id="510" r:id="rId14"/>
-    <p:sldId id="511" r:id="rId15"/>
-    <p:sldId id="512" r:id="rId16"/>
-    <p:sldId id="513" r:id="rId17"/>
-    <p:sldId id="514" r:id="rId18"/>
-    <p:sldId id="515" r:id="rId19"/>
-    <p:sldId id="516" r:id="rId20"/>
-    <p:sldId id="517" r:id="rId21"/>
-    <p:sldId id="519" r:id="rId22"/>
-    <p:sldId id="520" r:id="rId23"/>
+    <p:sldId id="521" r:id="rId11"/>
+    <p:sldId id="522" r:id="rId12"/>
+    <p:sldId id="507" r:id="rId13"/>
+    <p:sldId id="508" r:id="rId14"/>
+    <p:sldId id="509" r:id="rId15"/>
+    <p:sldId id="510" r:id="rId16"/>
+    <p:sldId id="511" r:id="rId17"/>
+    <p:sldId id="512" r:id="rId18"/>
+    <p:sldId id="513" r:id="rId19"/>
+    <p:sldId id="514" r:id="rId20"/>
+    <p:sldId id="515" r:id="rId21"/>
+    <p:sldId id="516" r:id="rId22"/>
+    <p:sldId id="517" r:id="rId23"/>
+    <p:sldId id="519" r:id="rId24"/>
+    <p:sldId id="520" r:id="rId25"/>
   </p:sldIdLst>
   <p:sldSz cx="12192000" cy="6858000"/>
   <p:notesSz cx="6858000" cy="9144000"/>
@@ -13214,7 +13216,7 @@
           <a:p>
             <a:fld id="{E5AFC5A3-9153-4CA9-8A7F-4A88ACEC8F5C}" type="datetimeFigureOut">
               <a:rPr lang="en-US" smtClean="0"/>
-              <a:t>11/10/2020</a:t>
+              <a:t>11/12/2020</a:t>
             </a:fld>
             <a:endParaRPr lang="en-US"/>
           </a:p>
@@ -13412,7 +13414,7 @@
           <a:p>
             <a:fld id="{E5AFC5A3-9153-4CA9-8A7F-4A88ACEC8F5C}" type="datetimeFigureOut">
               <a:rPr lang="en-US" smtClean="0"/>
-              <a:t>11/10/2020</a:t>
+              <a:t>11/12/2020</a:t>
             </a:fld>
             <a:endParaRPr lang="en-US"/>
           </a:p>
@@ -13620,7 +13622,7 @@
           <a:p>
             <a:fld id="{E5AFC5A3-9153-4CA9-8A7F-4A88ACEC8F5C}" type="datetimeFigureOut">
               <a:rPr lang="en-US" smtClean="0"/>
-              <a:t>11/10/2020</a:t>
+              <a:t>11/12/2020</a:t>
             </a:fld>
             <a:endParaRPr lang="en-US"/>
           </a:p>
@@ -13942,7 +13944,7 @@
           <a:p>
             <a:fld id="{E5AFC5A3-9153-4CA9-8A7F-4A88ACEC8F5C}" type="datetimeFigureOut">
               <a:rPr lang="en-US" smtClean="0"/>
-              <a:t>11/10/2020</a:t>
+              <a:t>11/12/2020</a:t>
             </a:fld>
             <a:endParaRPr lang="en-US"/>
           </a:p>
@@ -14217,7 +14219,7 @@
           <a:p>
             <a:fld id="{E5AFC5A3-9153-4CA9-8A7F-4A88ACEC8F5C}" type="datetimeFigureOut">
               <a:rPr lang="en-US" smtClean="0"/>
-              <a:t>11/10/2020</a:t>
+              <a:t>11/12/2020</a:t>
             </a:fld>
             <a:endParaRPr lang="en-US"/>
           </a:p>
@@ -14482,7 +14484,7 @@
           <a:p>
             <a:fld id="{E5AFC5A3-9153-4CA9-8A7F-4A88ACEC8F5C}" type="datetimeFigureOut">
               <a:rPr lang="en-US" smtClean="0"/>
-              <a:t>11/10/2020</a:t>
+              <a:t>11/12/2020</a:t>
             </a:fld>
             <a:endParaRPr lang="en-US"/>
           </a:p>
@@ -14894,7 +14896,7 @@
           <a:p>
             <a:fld id="{E5AFC5A3-9153-4CA9-8A7F-4A88ACEC8F5C}" type="datetimeFigureOut">
               <a:rPr lang="en-US" smtClean="0"/>
-              <a:t>11/10/2020</a:t>
+              <a:t>11/12/2020</a:t>
             </a:fld>
             <a:endParaRPr lang="en-US"/>
           </a:p>
@@ -15035,7 +15037,7 @@
           <a:p>
             <a:fld id="{E5AFC5A3-9153-4CA9-8A7F-4A88ACEC8F5C}" type="datetimeFigureOut">
               <a:rPr lang="en-US" smtClean="0"/>
-              <a:t>11/10/2020</a:t>
+              <a:t>11/12/2020</a:t>
             </a:fld>
             <a:endParaRPr lang="en-US"/>
           </a:p>
@@ -15148,7 +15150,7 @@
           <a:p>
             <a:fld id="{E5AFC5A3-9153-4CA9-8A7F-4A88ACEC8F5C}" type="datetimeFigureOut">
               <a:rPr lang="en-US" smtClean="0"/>
-              <a:t>11/10/2020</a:t>
+              <a:t>11/12/2020</a:t>
             </a:fld>
             <a:endParaRPr lang="en-US"/>
           </a:p>
@@ -15459,7 +15461,7 @@
           <a:p>
             <a:fld id="{E5AFC5A3-9153-4CA9-8A7F-4A88ACEC8F5C}" type="datetimeFigureOut">
               <a:rPr lang="en-US" smtClean="0"/>
-              <a:t>11/10/2020</a:t>
+              <a:t>11/12/2020</a:t>
             </a:fld>
             <a:endParaRPr lang="en-US"/>
           </a:p>
@@ -15747,7 +15749,7 @@
           <a:p>
             <a:fld id="{E5AFC5A3-9153-4CA9-8A7F-4A88ACEC8F5C}" type="datetimeFigureOut">
               <a:rPr lang="en-US" smtClean="0"/>
-              <a:t>11/10/2020</a:t>
+              <a:t>11/12/2020</a:t>
             </a:fld>
             <a:endParaRPr lang="en-US"/>
           </a:p>
@@ -15988,7 +15990,7 @@
           <a:p>
             <a:fld id="{E5AFC5A3-9153-4CA9-8A7F-4A88ACEC8F5C}" type="datetimeFigureOut">
               <a:rPr lang="en-US" smtClean="0"/>
-              <a:t>11/10/2020</a:t>
+              <a:t>11/12/2020</a:t>
             </a:fld>
             <a:endParaRPr lang="en-US"/>
           </a:p>
@@ -17186,6 +17188,1274 @@
           <a:chExt cx="0" cy="0"/>
         </a:xfrm>
       </p:grpSpPr>
+      <p:pic>
+        <p:nvPicPr>
+          <p:cNvPr id="3" name="Picture Placeholder 2"/>
+          <p:cNvPicPr>
+            <a:picLocks noGrp="1" noChangeAspect="1"/>
+          </p:cNvPicPr>
+          <p:nvPr>
+            <p:ph type="pic" sz="quarter" idx="10"/>
+          </p:nvPr>
+        </p:nvPicPr>
+        <p:blipFill>
+          <a:blip r:embed="rId2">
+            <a:extLst>
+              <a:ext uri="{28A0092B-C50C-407E-A947-70E740481C1C}">
+                <a14:useLocalDpi xmlns:a14="http://schemas.microsoft.com/office/drawing/2010/main" val="0"/>
+              </a:ext>
+            </a:extLst>
+          </a:blip>
+          <a:srcRect t="28568" b="28568"/>
+          <a:stretch>
+            <a:fillRect/>
+          </a:stretch>
+        </p:blipFill>
+        <p:spPr>
+          <a:xfrm>
+            <a:off x="2539" y="4826"/>
+            <a:ext cx="12192000" cy="6858000"/>
+          </a:xfrm>
+        </p:spPr>
+      </p:pic>
+      <p:sp>
+        <p:nvSpPr>
+          <p:cNvPr id="2" name="Rectangle 1">
+            <a:extLst>
+              <a:ext uri="{FF2B5EF4-FFF2-40B4-BE49-F238E27FC236}">
+                <a16:creationId xmlns:a16="http://schemas.microsoft.com/office/drawing/2014/main" id="{DB63AFFA-64C5-40D1-9194-811F335F3CBB}"/>
+              </a:ext>
+            </a:extLst>
+          </p:cNvPr>
+          <p:cNvSpPr/>
+          <p:nvPr/>
+        </p:nvSpPr>
+        <p:spPr>
+          <a:xfrm>
+            <a:off x="0" y="4827"/>
+            <a:ext cx="12192001" cy="6857999"/>
+          </a:xfrm>
+          <a:prstGeom prst="rect">
+            <a:avLst/>
+          </a:prstGeom>
+          <a:solidFill>
+            <a:schemeClr val="bg1">
+              <a:alpha val="88000"/>
+            </a:schemeClr>
+          </a:solidFill>
+          <a:ln>
+            <a:noFill/>
+          </a:ln>
+        </p:spPr>
+        <p:style>
+          <a:lnRef idx="2">
+            <a:schemeClr val="accent1">
+              <a:shade val="50000"/>
+            </a:schemeClr>
+          </a:lnRef>
+          <a:fillRef idx="1">
+            <a:schemeClr val="accent1"/>
+          </a:fillRef>
+          <a:effectRef idx="0">
+            <a:schemeClr val="accent1"/>
+          </a:effectRef>
+          <a:fontRef idx="minor">
+            <a:schemeClr val="lt1"/>
+          </a:fontRef>
+        </p:style>
+        <p:txBody>
+          <a:bodyPr rtlCol="0" anchor="ctr"/>
+          <a:lstStyle/>
+          <a:p>
+            <a:pPr algn="ctr"/>
+            <a:endParaRPr lang="en-US" dirty="0"/>
+          </a:p>
+        </p:txBody>
+      </p:sp>
+      <p:sp>
+        <p:nvSpPr>
+          <p:cNvPr id="10" name="Title 21">
+            <a:extLst>
+              <a:ext uri="{FF2B5EF4-FFF2-40B4-BE49-F238E27FC236}">
+                <a16:creationId xmlns:a16="http://schemas.microsoft.com/office/drawing/2014/main" id="{9CC9330A-BBCE-4C6D-868F-50745A7F35C0}"/>
+              </a:ext>
+            </a:extLst>
+          </p:cNvPr>
+          <p:cNvSpPr txBox="1">
+            <a:spLocks/>
+          </p:cNvSpPr>
+          <p:nvPr/>
+        </p:nvSpPr>
+        <p:spPr>
+          <a:xfrm>
+            <a:off x="2846790" y="691989"/>
+            <a:ext cx="6498420" cy="969386"/>
+          </a:xfrm>
+          <a:prstGeom prst="rect">
+            <a:avLst/>
+          </a:prstGeom>
+        </p:spPr>
+        <p:txBody>
+          <a:bodyPr>
+            <a:noAutofit/>
+          </a:bodyPr>
+          <a:lstStyle>
+            <a:lvl1pPr algn="l" defTabSz="914400" rtl="0" eaLnBrk="1" latinLnBrk="0" hangingPunct="1">
+              <a:lnSpc>
+                <a:spcPct val="90000"/>
+              </a:lnSpc>
+              <a:spcBef>
+                <a:spcPct val="0"/>
+              </a:spcBef>
+              <a:buNone/>
+              <a:defRPr sz="4400" kern="1200">
+                <a:solidFill>
+                  <a:schemeClr val="tx1"/>
+                </a:solidFill>
+                <a:latin typeface="+mj-lt"/>
+                <a:ea typeface="+mj-ea"/>
+                <a:cs typeface="+mj-cs"/>
+              </a:defRPr>
+            </a:lvl1pPr>
+          </a:lstStyle>
+          <a:p>
+            <a:pPr algn="ctr"/>
+            <a:r>
+              <a:rPr lang="en-US" sz="4800" dirty="0">
+                <a:latin typeface="AlQalam Mujeeb" panose="02000506000000020003" pitchFamily="2" charset="-78"/>
+                <a:cs typeface="AlQalam Mujeeb" panose="02000506000000020003" pitchFamily="2" charset="-78"/>
+              </a:rPr>
+              <a:t>What is Django?</a:t>
+            </a:r>
+            <a:endParaRPr lang="id-ID" sz="4800" b="1" dirty="0">
+              <a:solidFill>
+                <a:srgbClr val="00A859"/>
+              </a:solidFill>
+              <a:latin typeface="AlQalam Mujeeb" panose="02000506000000020003" pitchFamily="2" charset="-78"/>
+              <a:ea typeface="Lato" panose="020F0502020204030203" pitchFamily="34" charset="0"/>
+              <a:cs typeface="AlQalam Mujeeb" panose="02000506000000020003" pitchFamily="2" charset="-78"/>
+            </a:endParaRPr>
+          </a:p>
+        </p:txBody>
+      </p:sp>
+      <p:pic>
+        <p:nvPicPr>
+          <p:cNvPr id="11" name="Picture 10"/>
+          <p:cNvPicPr>
+            <a:picLocks noChangeAspect="1"/>
+          </p:cNvPicPr>
+          <p:nvPr/>
+        </p:nvPicPr>
+        <p:blipFill>
+          <a:blip r:embed="rId3" cstate="print">
+            <a:extLst>
+              <a:ext uri="{28A0092B-C50C-407E-A947-70E740481C1C}">
+                <a14:useLocalDpi xmlns:a14="http://schemas.microsoft.com/office/drawing/2010/main" val="0"/>
+              </a:ext>
+            </a:extLst>
+          </a:blip>
+          <a:stretch>
+            <a:fillRect/>
+          </a:stretch>
+        </p:blipFill>
+        <p:spPr>
+          <a:xfrm>
+            <a:off x="259178" y="5871212"/>
+            <a:ext cx="589757" cy="773930"/>
+          </a:xfrm>
+          <a:prstGeom prst="rect">
+            <a:avLst/>
+          </a:prstGeom>
+        </p:spPr>
+      </p:pic>
+      <p:sp>
+        <p:nvSpPr>
+          <p:cNvPr id="7" name="Subtitle 2">
+            <a:extLst>
+              <a:ext uri="{FF2B5EF4-FFF2-40B4-BE49-F238E27FC236}">
+                <a16:creationId xmlns:a16="http://schemas.microsoft.com/office/drawing/2014/main" id="{01AE7742-CEC2-4186-9C80-CD6106A15631}"/>
+              </a:ext>
+            </a:extLst>
+          </p:cNvPr>
+          <p:cNvSpPr txBox="1">
+            <a:spLocks/>
+          </p:cNvSpPr>
+          <p:nvPr/>
+        </p:nvSpPr>
+        <p:spPr>
+          <a:xfrm>
+            <a:off x="1287887" y="2348539"/>
+            <a:ext cx="9452684" cy="3253975"/>
+          </a:xfrm>
+          <a:prstGeom prst="rect">
+            <a:avLst/>
+          </a:prstGeom>
+        </p:spPr>
+        <p:txBody>
+          <a:bodyPr>
+            <a:normAutofit/>
+          </a:bodyPr>
+          <a:lstStyle>
+            <a:lvl1pPr marL="228600" indent="-228600" algn="l" defTabSz="914400" rtl="0" eaLnBrk="1" latinLnBrk="0" hangingPunct="1">
+              <a:lnSpc>
+                <a:spcPct val="90000"/>
+              </a:lnSpc>
+              <a:spcBef>
+                <a:spcPts val="1000"/>
+              </a:spcBef>
+              <a:buFont typeface="Arial" panose="020B0604020202020204" pitchFamily="34" charset="0"/>
+              <a:buChar char="•"/>
+              <a:defRPr sz="2800" kern="1200">
+                <a:solidFill>
+                  <a:schemeClr val="tx1"/>
+                </a:solidFill>
+                <a:latin typeface="+mn-lt"/>
+                <a:ea typeface="+mn-ea"/>
+                <a:cs typeface="+mn-cs"/>
+              </a:defRPr>
+            </a:lvl1pPr>
+            <a:lvl2pPr marL="685800" indent="-228600" algn="l" defTabSz="914400" rtl="0" eaLnBrk="1" latinLnBrk="0" hangingPunct="1">
+              <a:lnSpc>
+                <a:spcPct val="90000"/>
+              </a:lnSpc>
+              <a:spcBef>
+                <a:spcPts val="500"/>
+              </a:spcBef>
+              <a:buFont typeface="Arial" panose="020B0604020202020204" pitchFamily="34" charset="0"/>
+              <a:buChar char="•"/>
+              <a:defRPr sz="2400" kern="1200">
+                <a:solidFill>
+                  <a:schemeClr val="tx1"/>
+                </a:solidFill>
+                <a:latin typeface="+mn-lt"/>
+                <a:ea typeface="+mn-ea"/>
+                <a:cs typeface="+mn-cs"/>
+              </a:defRPr>
+            </a:lvl2pPr>
+            <a:lvl3pPr marL="1143000" indent="-228600" algn="l" defTabSz="914400" rtl="0" eaLnBrk="1" latinLnBrk="0" hangingPunct="1">
+              <a:lnSpc>
+                <a:spcPct val="90000"/>
+              </a:lnSpc>
+              <a:spcBef>
+                <a:spcPts val="500"/>
+              </a:spcBef>
+              <a:buFont typeface="Arial" panose="020B0604020202020204" pitchFamily="34" charset="0"/>
+              <a:buChar char="•"/>
+              <a:defRPr sz="2000" kern="1200">
+                <a:solidFill>
+                  <a:schemeClr val="tx1"/>
+                </a:solidFill>
+                <a:latin typeface="+mn-lt"/>
+                <a:ea typeface="+mn-ea"/>
+                <a:cs typeface="+mn-cs"/>
+              </a:defRPr>
+            </a:lvl3pPr>
+            <a:lvl4pPr marL="1600200" indent="-228600" algn="l" defTabSz="914400" rtl="0" eaLnBrk="1" latinLnBrk="0" hangingPunct="1">
+              <a:lnSpc>
+                <a:spcPct val="90000"/>
+              </a:lnSpc>
+              <a:spcBef>
+                <a:spcPts val="500"/>
+              </a:spcBef>
+              <a:buFont typeface="Arial" panose="020B0604020202020204" pitchFamily="34" charset="0"/>
+              <a:buChar char="•"/>
+              <a:defRPr sz="1800" kern="1200">
+                <a:solidFill>
+                  <a:schemeClr val="tx1"/>
+                </a:solidFill>
+                <a:latin typeface="+mn-lt"/>
+                <a:ea typeface="+mn-ea"/>
+                <a:cs typeface="+mn-cs"/>
+              </a:defRPr>
+            </a:lvl4pPr>
+            <a:lvl5pPr marL="2057400" indent="-228600" algn="l" defTabSz="914400" rtl="0" eaLnBrk="1" latinLnBrk="0" hangingPunct="1">
+              <a:lnSpc>
+                <a:spcPct val="90000"/>
+              </a:lnSpc>
+              <a:spcBef>
+                <a:spcPts val="500"/>
+              </a:spcBef>
+              <a:buFont typeface="Arial" panose="020B0604020202020204" pitchFamily="34" charset="0"/>
+              <a:buChar char="•"/>
+              <a:defRPr sz="1800" kern="1200">
+                <a:solidFill>
+                  <a:schemeClr val="tx1"/>
+                </a:solidFill>
+                <a:latin typeface="+mn-lt"/>
+                <a:ea typeface="+mn-ea"/>
+                <a:cs typeface="+mn-cs"/>
+              </a:defRPr>
+            </a:lvl5pPr>
+            <a:lvl6pPr marL="2514600" indent="-228600" algn="l" defTabSz="914400" rtl="0" eaLnBrk="1" latinLnBrk="0" hangingPunct="1">
+              <a:lnSpc>
+                <a:spcPct val="90000"/>
+              </a:lnSpc>
+              <a:spcBef>
+                <a:spcPts val="500"/>
+              </a:spcBef>
+              <a:buFont typeface="Arial" panose="020B0604020202020204" pitchFamily="34" charset="0"/>
+              <a:buChar char="•"/>
+              <a:defRPr sz="1800" kern="1200">
+                <a:solidFill>
+                  <a:schemeClr val="tx1"/>
+                </a:solidFill>
+                <a:latin typeface="+mn-lt"/>
+                <a:ea typeface="+mn-ea"/>
+                <a:cs typeface="+mn-cs"/>
+              </a:defRPr>
+            </a:lvl6pPr>
+            <a:lvl7pPr marL="2971800" indent="-228600" algn="l" defTabSz="914400" rtl="0" eaLnBrk="1" latinLnBrk="0" hangingPunct="1">
+              <a:lnSpc>
+                <a:spcPct val="90000"/>
+              </a:lnSpc>
+              <a:spcBef>
+                <a:spcPts val="500"/>
+              </a:spcBef>
+              <a:buFont typeface="Arial" panose="020B0604020202020204" pitchFamily="34" charset="0"/>
+              <a:buChar char="•"/>
+              <a:defRPr sz="1800" kern="1200">
+                <a:solidFill>
+                  <a:schemeClr val="tx1"/>
+                </a:solidFill>
+                <a:latin typeface="+mn-lt"/>
+                <a:ea typeface="+mn-ea"/>
+                <a:cs typeface="+mn-cs"/>
+              </a:defRPr>
+            </a:lvl7pPr>
+            <a:lvl8pPr marL="3429000" indent="-228600" algn="l" defTabSz="914400" rtl="0" eaLnBrk="1" latinLnBrk="0" hangingPunct="1">
+              <a:lnSpc>
+                <a:spcPct val="90000"/>
+              </a:lnSpc>
+              <a:spcBef>
+                <a:spcPts val="500"/>
+              </a:spcBef>
+              <a:buFont typeface="Arial" panose="020B0604020202020204" pitchFamily="34" charset="0"/>
+              <a:buChar char="•"/>
+              <a:defRPr sz="1800" kern="1200">
+                <a:solidFill>
+                  <a:schemeClr val="tx1"/>
+                </a:solidFill>
+                <a:latin typeface="+mn-lt"/>
+                <a:ea typeface="+mn-ea"/>
+                <a:cs typeface="+mn-cs"/>
+              </a:defRPr>
+            </a:lvl8pPr>
+            <a:lvl9pPr marL="3886200" indent="-228600" algn="l" defTabSz="914400" rtl="0" eaLnBrk="1" latinLnBrk="0" hangingPunct="1">
+              <a:lnSpc>
+                <a:spcPct val="90000"/>
+              </a:lnSpc>
+              <a:spcBef>
+                <a:spcPts val="500"/>
+              </a:spcBef>
+              <a:buFont typeface="Arial" panose="020B0604020202020204" pitchFamily="34" charset="0"/>
+              <a:buChar char="•"/>
+              <a:defRPr sz="1800" kern="1200">
+                <a:solidFill>
+                  <a:schemeClr val="tx1"/>
+                </a:solidFill>
+                <a:latin typeface="+mn-lt"/>
+                <a:ea typeface="+mn-ea"/>
+                <a:cs typeface="+mn-cs"/>
+              </a:defRPr>
+            </a:lvl9pPr>
+          </a:lstStyle>
+          <a:p>
+            <a:r>
+              <a:rPr lang="en-US" altLang="ja-JP" dirty="0">
+                <a:solidFill>
+                  <a:schemeClr val="tx1">
+                    <a:lumMod val="95000"/>
+                    <a:lumOff val="5000"/>
+                  </a:schemeClr>
+                </a:solidFill>
+                <a:latin typeface="Bebas Neue" panose="020B0606020202050201"/>
+                <a:ea typeface="MingLiU" panose="02020509000000000000" pitchFamily="49" charset="-120"/>
+              </a:rPr>
+              <a:t>Django: The web Framework for Perfectionists with Deadlines.</a:t>
+            </a:r>
+          </a:p>
+          <a:p>
+            <a:r>
+              <a:rPr lang="en-US" altLang="ja-JP" dirty="0">
+                <a:solidFill>
+                  <a:schemeClr val="tx1">
+                    <a:lumMod val="95000"/>
+                    <a:lumOff val="5000"/>
+                  </a:schemeClr>
+                </a:solidFill>
+                <a:latin typeface="Bebas Neue" panose="020B0606020202050201"/>
+                <a:ea typeface="MingLiU" panose="02020509000000000000" pitchFamily="49" charset="-120"/>
+              </a:rPr>
+              <a:t>Python Based.</a:t>
+            </a:r>
+          </a:p>
+          <a:p>
+            <a:r>
+              <a:rPr lang="en-US" altLang="ja-JP" dirty="0">
+                <a:solidFill>
+                  <a:schemeClr val="tx1">
+                    <a:lumMod val="95000"/>
+                    <a:lumOff val="5000"/>
+                  </a:schemeClr>
+                </a:solidFill>
+                <a:latin typeface="Bebas Neue" panose="020B0606020202050201"/>
+                <a:ea typeface="MingLiU" panose="02020509000000000000" pitchFamily="49" charset="-120"/>
+              </a:rPr>
+              <a:t>Open Source.</a:t>
+            </a:r>
+            <a:endParaRPr lang="en-US" altLang="ja-JP" b="1" dirty="0">
+              <a:solidFill>
+                <a:srgbClr val="002060"/>
+              </a:solidFill>
+              <a:latin typeface="Bebas Neue" panose="020B0606020202050201"/>
+              <a:ea typeface="MingLiU" panose="02020509000000000000" pitchFamily="49" charset="-120"/>
+            </a:endParaRPr>
+          </a:p>
+          <a:p>
+            <a:endParaRPr lang="ja-JP" altLang="en-US" b="1" dirty="0">
+              <a:solidFill>
+                <a:srgbClr val="002060"/>
+              </a:solidFill>
+              <a:latin typeface="Bebas Neue" panose="020B0606020202050201"/>
+              <a:ea typeface="MingLiU" panose="02020509000000000000" pitchFamily="49" charset="-120"/>
+            </a:endParaRPr>
+          </a:p>
+        </p:txBody>
+      </p:sp>
+      <p:sp>
+        <p:nvSpPr>
+          <p:cNvPr id="9" name="Rectangle: Rounded Corners 8">
+            <a:extLst>
+              <a:ext uri="{FF2B5EF4-FFF2-40B4-BE49-F238E27FC236}">
+                <a16:creationId xmlns:a16="http://schemas.microsoft.com/office/drawing/2014/main" id="{F48DE7E0-B0DC-40DA-A4C7-3F032F7064E3}"/>
+              </a:ext>
+            </a:extLst>
+          </p:cNvPr>
+          <p:cNvSpPr/>
+          <p:nvPr/>
+        </p:nvSpPr>
+        <p:spPr>
+          <a:xfrm>
+            <a:off x="2354861" y="4055072"/>
+            <a:ext cx="3031612" cy="874503"/>
+          </a:xfrm>
+          <a:prstGeom prst="roundRect">
+            <a:avLst/>
+          </a:prstGeom>
+          <a:solidFill>
+            <a:srgbClr val="00B050"/>
+          </a:solidFill>
+          <a:ln>
+            <a:solidFill>
+              <a:srgbClr val="00B050"/>
+            </a:solidFill>
+          </a:ln>
+        </p:spPr>
+        <p:style>
+          <a:lnRef idx="2">
+            <a:schemeClr val="accent1">
+              <a:shade val="50000"/>
+            </a:schemeClr>
+          </a:lnRef>
+          <a:fillRef idx="1">
+            <a:schemeClr val="accent1"/>
+          </a:fillRef>
+          <a:effectRef idx="0">
+            <a:schemeClr val="accent1"/>
+          </a:effectRef>
+          <a:fontRef idx="minor">
+            <a:schemeClr val="lt1"/>
+          </a:fontRef>
+        </p:style>
+        <p:txBody>
+          <a:bodyPr rtlCol="0" anchor="ctr"/>
+          <a:lstStyle/>
+          <a:p>
+            <a:pPr algn="ctr"/>
+            <a:r>
+              <a:rPr lang="en-US" sz="2400" b="1" dirty="0">
+                <a:latin typeface="Times New Roman" panose="02020603050405020304" pitchFamily="18" charset="0"/>
+                <a:cs typeface="Times New Roman" panose="02020603050405020304" pitchFamily="18" charset="0"/>
+              </a:rPr>
+              <a:t>Secure</a:t>
+            </a:r>
+            <a:endParaRPr lang="en-US" b="1" dirty="0">
+              <a:latin typeface="Times New Roman" panose="02020603050405020304" pitchFamily="18" charset="0"/>
+              <a:cs typeface="Times New Roman" panose="02020603050405020304" pitchFamily="18" charset="0"/>
+            </a:endParaRPr>
+          </a:p>
+        </p:txBody>
+      </p:sp>
+      <p:sp>
+        <p:nvSpPr>
+          <p:cNvPr id="12" name="Rectangle: Rounded Corners 11">
+            <a:extLst>
+              <a:ext uri="{FF2B5EF4-FFF2-40B4-BE49-F238E27FC236}">
+                <a16:creationId xmlns:a16="http://schemas.microsoft.com/office/drawing/2014/main" id="{D1C5B112-92DF-4C3F-9932-2467F24D2809}"/>
+              </a:ext>
+            </a:extLst>
+          </p:cNvPr>
+          <p:cNvSpPr/>
+          <p:nvPr/>
+        </p:nvSpPr>
+        <p:spPr>
+          <a:xfrm>
+            <a:off x="2354861" y="5291508"/>
+            <a:ext cx="3031612" cy="874503"/>
+          </a:xfrm>
+          <a:prstGeom prst="roundRect">
+            <a:avLst/>
+          </a:prstGeom>
+          <a:solidFill>
+            <a:srgbClr val="002060"/>
+          </a:solidFill>
+          <a:ln>
+            <a:solidFill>
+              <a:srgbClr val="002060"/>
+            </a:solidFill>
+          </a:ln>
+        </p:spPr>
+        <p:style>
+          <a:lnRef idx="2">
+            <a:schemeClr val="accent1">
+              <a:shade val="50000"/>
+            </a:schemeClr>
+          </a:lnRef>
+          <a:fillRef idx="1">
+            <a:schemeClr val="accent1"/>
+          </a:fillRef>
+          <a:effectRef idx="0">
+            <a:schemeClr val="accent1"/>
+          </a:effectRef>
+          <a:fontRef idx="minor">
+            <a:schemeClr val="lt1"/>
+          </a:fontRef>
+        </p:style>
+        <p:txBody>
+          <a:bodyPr rtlCol="0" anchor="ctr"/>
+          <a:lstStyle/>
+          <a:p>
+            <a:pPr algn="ctr"/>
+            <a:r>
+              <a:rPr lang="en-US" sz="2400" b="1" dirty="0">
+                <a:latin typeface="Times New Roman" panose="02020603050405020304" pitchFamily="18" charset="0"/>
+                <a:cs typeface="Times New Roman" panose="02020603050405020304" pitchFamily="18" charset="0"/>
+              </a:rPr>
+              <a:t>Scalable</a:t>
+            </a:r>
+          </a:p>
+        </p:txBody>
+      </p:sp>
+      <p:sp>
+        <p:nvSpPr>
+          <p:cNvPr id="24" name="Rectangle: Rounded Corners 23">
+            <a:extLst>
+              <a:ext uri="{FF2B5EF4-FFF2-40B4-BE49-F238E27FC236}">
+                <a16:creationId xmlns:a16="http://schemas.microsoft.com/office/drawing/2014/main" id="{AD30A47B-7D7D-4CAF-A22B-B07A8D39D1B4}"/>
+              </a:ext>
+            </a:extLst>
+          </p:cNvPr>
+          <p:cNvSpPr/>
+          <p:nvPr/>
+        </p:nvSpPr>
+        <p:spPr>
+          <a:xfrm>
+            <a:off x="6671821" y="4055072"/>
+            <a:ext cx="3031612" cy="874503"/>
+          </a:xfrm>
+          <a:prstGeom prst="roundRect">
+            <a:avLst/>
+          </a:prstGeom>
+          <a:solidFill>
+            <a:srgbClr val="002060"/>
+          </a:solidFill>
+          <a:ln>
+            <a:solidFill>
+              <a:srgbClr val="002060"/>
+            </a:solidFill>
+          </a:ln>
+        </p:spPr>
+        <p:style>
+          <a:lnRef idx="2">
+            <a:schemeClr val="accent1">
+              <a:shade val="50000"/>
+            </a:schemeClr>
+          </a:lnRef>
+          <a:fillRef idx="1">
+            <a:schemeClr val="accent1"/>
+          </a:fillRef>
+          <a:effectRef idx="0">
+            <a:schemeClr val="accent1"/>
+          </a:effectRef>
+          <a:fontRef idx="minor">
+            <a:schemeClr val="lt1"/>
+          </a:fontRef>
+        </p:style>
+        <p:txBody>
+          <a:bodyPr rtlCol="0" anchor="ctr"/>
+          <a:lstStyle/>
+          <a:p>
+            <a:pPr algn="ctr"/>
+            <a:r>
+              <a:rPr lang="en-US" sz="2400" b="1" dirty="0">
+                <a:latin typeface="Times New Roman" panose="02020603050405020304" pitchFamily="18" charset="0"/>
+                <a:cs typeface="Times New Roman" panose="02020603050405020304" pitchFamily="18" charset="0"/>
+              </a:rPr>
+              <a:t>MVT</a:t>
+            </a:r>
+          </a:p>
+        </p:txBody>
+      </p:sp>
+      <p:sp>
+        <p:nvSpPr>
+          <p:cNvPr id="26" name="Rectangle: Rounded Corners 25">
+            <a:extLst>
+              <a:ext uri="{FF2B5EF4-FFF2-40B4-BE49-F238E27FC236}">
+                <a16:creationId xmlns:a16="http://schemas.microsoft.com/office/drawing/2014/main" id="{E8DF943F-1DA1-4519-93DC-6F8050D10EFF}"/>
+              </a:ext>
+            </a:extLst>
+          </p:cNvPr>
+          <p:cNvSpPr/>
+          <p:nvPr/>
+        </p:nvSpPr>
+        <p:spPr>
+          <a:xfrm>
+            <a:off x="6671821" y="5291508"/>
+            <a:ext cx="3031612" cy="874503"/>
+          </a:xfrm>
+          <a:prstGeom prst="roundRect">
+            <a:avLst/>
+          </a:prstGeom>
+          <a:solidFill>
+            <a:srgbClr val="00B050"/>
+          </a:solidFill>
+          <a:ln>
+            <a:solidFill>
+              <a:srgbClr val="00B050"/>
+            </a:solidFill>
+          </a:ln>
+        </p:spPr>
+        <p:style>
+          <a:lnRef idx="2">
+            <a:schemeClr val="accent1">
+              <a:shade val="50000"/>
+            </a:schemeClr>
+          </a:lnRef>
+          <a:fillRef idx="1">
+            <a:schemeClr val="accent1"/>
+          </a:fillRef>
+          <a:effectRef idx="0">
+            <a:schemeClr val="accent1"/>
+          </a:effectRef>
+          <a:fontRef idx="minor">
+            <a:schemeClr val="lt1"/>
+          </a:fontRef>
+        </p:style>
+        <p:txBody>
+          <a:bodyPr rtlCol="0" anchor="ctr"/>
+          <a:lstStyle/>
+          <a:p>
+            <a:pPr algn="ctr"/>
+            <a:r>
+              <a:rPr lang="en-US" sz="2400" b="1" dirty="0">
+                <a:latin typeface="Times New Roman" panose="02020603050405020304" pitchFamily="18" charset="0"/>
+                <a:cs typeface="Times New Roman" panose="02020603050405020304" pitchFamily="18" charset="0"/>
+              </a:rPr>
+              <a:t>Fast-Development</a:t>
+            </a:r>
+          </a:p>
+        </p:txBody>
+      </p:sp>
+    </p:spTree>
+    <p:extLst>
+      <p:ext uri="{BB962C8B-B14F-4D97-AF65-F5344CB8AC3E}">
+        <p14:creationId xmlns:p14="http://schemas.microsoft.com/office/powerpoint/2010/main" val="3580114151"/>
+      </p:ext>
+    </p:extLst>
+  </p:cSld>
+  <p:clrMapOvr>
+    <a:masterClrMapping/>
+  </p:clrMapOvr>
+  <mc:AlternateContent xmlns:mc="http://schemas.openxmlformats.org/markup-compatibility/2006" xmlns:p14="http://schemas.microsoft.com/office/powerpoint/2010/main">
+    <mc:Choice Requires="p14">
+      <p:transition p14:dur="0"/>
+    </mc:Choice>
+    <mc:Fallback xmlns="">
+      <p:transition/>
+    </mc:Fallback>
+  </mc:AlternateContent>
+</p:sld>
+</file>
+
+<file path=ppt/slides/slide11.xml><?xml version="1.0" encoding="utf-8"?>
+<p:sld xmlns:a="http://schemas.openxmlformats.org/drawingml/2006/main" xmlns:r="http://schemas.openxmlformats.org/officeDocument/2006/relationships" xmlns:p="http://schemas.openxmlformats.org/presentationml/2006/main">
+  <p:cSld>
+    <p:spTree>
+      <p:nvGrpSpPr>
+        <p:cNvPr id="1" name=""/>
+        <p:cNvGrpSpPr/>
+        <p:nvPr/>
+      </p:nvGrpSpPr>
+      <p:grpSpPr>
+        <a:xfrm>
+          <a:off x="0" y="0"/>
+          <a:ext cx="0" cy="0"/>
+          <a:chOff x="0" y="0"/>
+          <a:chExt cx="0" cy="0"/>
+        </a:xfrm>
+      </p:grpSpPr>
+      <p:sp>
+        <p:nvSpPr>
+          <p:cNvPr id="10" name="Title 21">
+            <a:extLst>
+              <a:ext uri="{FF2B5EF4-FFF2-40B4-BE49-F238E27FC236}">
+                <a16:creationId xmlns:a16="http://schemas.microsoft.com/office/drawing/2014/main" id="{9CC9330A-BBCE-4C6D-868F-50745A7F35C0}"/>
+              </a:ext>
+            </a:extLst>
+          </p:cNvPr>
+          <p:cNvSpPr txBox="1">
+            <a:spLocks/>
+          </p:cNvSpPr>
+          <p:nvPr/>
+        </p:nvSpPr>
+        <p:spPr>
+          <a:xfrm>
+            <a:off x="2446986" y="418698"/>
+            <a:ext cx="7160653" cy="969386"/>
+          </a:xfrm>
+          <a:prstGeom prst="rect">
+            <a:avLst/>
+          </a:prstGeom>
+        </p:spPr>
+        <p:txBody>
+          <a:bodyPr>
+            <a:noAutofit/>
+          </a:bodyPr>
+          <a:lstStyle>
+            <a:lvl1pPr algn="l" defTabSz="914400" rtl="0" eaLnBrk="1" latinLnBrk="0" hangingPunct="1">
+              <a:lnSpc>
+                <a:spcPct val="90000"/>
+              </a:lnSpc>
+              <a:spcBef>
+                <a:spcPct val="0"/>
+              </a:spcBef>
+              <a:buNone/>
+              <a:defRPr sz="4400" kern="1200">
+                <a:solidFill>
+                  <a:schemeClr val="tx1"/>
+                </a:solidFill>
+                <a:latin typeface="+mj-lt"/>
+                <a:ea typeface="+mj-ea"/>
+                <a:cs typeface="+mj-cs"/>
+              </a:defRPr>
+            </a:lvl1pPr>
+          </a:lstStyle>
+          <a:p>
+            <a:pPr algn="ctr"/>
+            <a:r>
+              <a:rPr lang="en-US" sz="4800" dirty="0">
+                <a:latin typeface="AlQalam Mujeeb" panose="02000506000000020003" pitchFamily="2" charset="-78"/>
+                <a:cs typeface="AlQalam Mujeeb" panose="02000506000000020003" pitchFamily="2" charset="-78"/>
+              </a:rPr>
+              <a:t>Django Based Websites</a:t>
+            </a:r>
+            <a:endParaRPr lang="id-ID" sz="4800" b="1" dirty="0">
+              <a:solidFill>
+                <a:srgbClr val="00A859"/>
+              </a:solidFill>
+              <a:latin typeface="AlQalam Mujeeb" panose="02000506000000020003" pitchFamily="2" charset="-78"/>
+              <a:ea typeface="Lato" panose="020F0502020204030203" pitchFamily="34" charset="0"/>
+              <a:cs typeface="AlQalam Mujeeb" panose="02000506000000020003" pitchFamily="2" charset="-78"/>
+            </a:endParaRPr>
+          </a:p>
+        </p:txBody>
+      </p:sp>
+      <p:pic>
+        <p:nvPicPr>
+          <p:cNvPr id="11" name="Picture 10"/>
+          <p:cNvPicPr>
+            <a:picLocks noChangeAspect="1"/>
+          </p:cNvPicPr>
+          <p:nvPr/>
+        </p:nvPicPr>
+        <p:blipFill>
+          <a:blip r:embed="rId2" cstate="print">
+            <a:extLst>
+              <a:ext uri="{28A0092B-C50C-407E-A947-70E740481C1C}">
+                <a14:useLocalDpi xmlns:a14="http://schemas.microsoft.com/office/drawing/2010/main" val="0"/>
+              </a:ext>
+            </a:extLst>
+          </a:blip>
+          <a:stretch>
+            <a:fillRect/>
+          </a:stretch>
+        </p:blipFill>
+        <p:spPr>
+          <a:xfrm>
+            <a:off x="259178" y="5871212"/>
+            <a:ext cx="589757" cy="773930"/>
+          </a:xfrm>
+          <a:prstGeom prst="rect">
+            <a:avLst/>
+          </a:prstGeom>
+        </p:spPr>
+      </p:pic>
+      <p:sp>
+        <p:nvSpPr>
+          <p:cNvPr id="7" name="Subtitle 2">
+            <a:extLst>
+              <a:ext uri="{FF2B5EF4-FFF2-40B4-BE49-F238E27FC236}">
+                <a16:creationId xmlns:a16="http://schemas.microsoft.com/office/drawing/2014/main" id="{01AE7742-CEC2-4186-9C80-CD6106A15631}"/>
+              </a:ext>
+            </a:extLst>
+          </p:cNvPr>
+          <p:cNvSpPr txBox="1">
+            <a:spLocks/>
+          </p:cNvSpPr>
+          <p:nvPr/>
+        </p:nvSpPr>
+        <p:spPr>
+          <a:xfrm>
+            <a:off x="1287887" y="2348539"/>
+            <a:ext cx="9452684" cy="3253975"/>
+          </a:xfrm>
+          <a:prstGeom prst="rect">
+            <a:avLst/>
+          </a:prstGeom>
+        </p:spPr>
+        <p:txBody>
+          <a:bodyPr>
+            <a:normAutofit/>
+          </a:bodyPr>
+          <a:lstStyle>
+            <a:lvl1pPr marL="228600" indent="-228600" algn="l" defTabSz="914400" rtl="0" eaLnBrk="1" latinLnBrk="0" hangingPunct="1">
+              <a:lnSpc>
+                <a:spcPct val="90000"/>
+              </a:lnSpc>
+              <a:spcBef>
+                <a:spcPts val="1000"/>
+              </a:spcBef>
+              <a:buFont typeface="Arial" panose="020B0604020202020204" pitchFamily="34" charset="0"/>
+              <a:buChar char="•"/>
+              <a:defRPr sz="2800" kern="1200">
+                <a:solidFill>
+                  <a:schemeClr val="tx1"/>
+                </a:solidFill>
+                <a:latin typeface="+mn-lt"/>
+                <a:ea typeface="+mn-ea"/>
+                <a:cs typeface="+mn-cs"/>
+              </a:defRPr>
+            </a:lvl1pPr>
+            <a:lvl2pPr marL="685800" indent="-228600" algn="l" defTabSz="914400" rtl="0" eaLnBrk="1" latinLnBrk="0" hangingPunct="1">
+              <a:lnSpc>
+                <a:spcPct val="90000"/>
+              </a:lnSpc>
+              <a:spcBef>
+                <a:spcPts val="500"/>
+              </a:spcBef>
+              <a:buFont typeface="Arial" panose="020B0604020202020204" pitchFamily="34" charset="0"/>
+              <a:buChar char="•"/>
+              <a:defRPr sz="2400" kern="1200">
+                <a:solidFill>
+                  <a:schemeClr val="tx1"/>
+                </a:solidFill>
+                <a:latin typeface="+mn-lt"/>
+                <a:ea typeface="+mn-ea"/>
+                <a:cs typeface="+mn-cs"/>
+              </a:defRPr>
+            </a:lvl2pPr>
+            <a:lvl3pPr marL="1143000" indent="-228600" algn="l" defTabSz="914400" rtl="0" eaLnBrk="1" latinLnBrk="0" hangingPunct="1">
+              <a:lnSpc>
+                <a:spcPct val="90000"/>
+              </a:lnSpc>
+              <a:spcBef>
+                <a:spcPts val="500"/>
+              </a:spcBef>
+              <a:buFont typeface="Arial" panose="020B0604020202020204" pitchFamily="34" charset="0"/>
+              <a:buChar char="•"/>
+              <a:defRPr sz="2000" kern="1200">
+                <a:solidFill>
+                  <a:schemeClr val="tx1"/>
+                </a:solidFill>
+                <a:latin typeface="+mn-lt"/>
+                <a:ea typeface="+mn-ea"/>
+                <a:cs typeface="+mn-cs"/>
+              </a:defRPr>
+            </a:lvl3pPr>
+            <a:lvl4pPr marL="1600200" indent="-228600" algn="l" defTabSz="914400" rtl="0" eaLnBrk="1" latinLnBrk="0" hangingPunct="1">
+              <a:lnSpc>
+                <a:spcPct val="90000"/>
+              </a:lnSpc>
+              <a:spcBef>
+                <a:spcPts val="500"/>
+              </a:spcBef>
+              <a:buFont typeface="Arial" panose="020B0604020202020204" pitchFamily="34" charset="0"/>
+              <a:buChar char="•"/>
+              <a:defRPr sz="1800" kern="1200">
+                <a:solidFill>
+                  <a:schemeClr val="tx1"/>
+                </a:solidFill>
+                <a:latin typeface="+mn-lt"/>
+                <a:ea typeface="+mn-ea"/>
+                <a:cs typeface="+mn-cs"/>
+              </a:defRPr>
+            </a:lvl4pPr>
+            <a:lvl5pPr marL="2057400" indent="-228600" algn="l" defTabSz="914400" rtl="0" eaLnBrk="1" latinLnBrk="0" hangingPunct="1">
+              <a:lnSpc>
+                <a:spcPct val="90000"/>
+              </a:lnSpc>
+              <a:spcBef>
+                <a:spcPts val="500"/>
+              </a:spcBef>
+              <a:buFont typeface="Arial" panose="020B0604020202020204" pitchFamily="34" charset="0"/>
+              <a:buChar char="•"/>
+              <a:defRPr sz="1800" kern="1200">
+                <a:solidFill>
+                  <a:schemeClr val="tx1"/>
+                </a:solidFill>
+                <a:latin typeface="+mn-lt"/>
+                <a:ea typeface="+mn-ea"/>
+                <a:cs typeface="+mn-cs"/>
+              </a:defRPr>
+            </a:lvl5pPr>
+            <a:lvl6pPr marL="2514600" indent="-228600" algn="l" defTabSz="914400" rtl="0" eaLnBrk="1" latinLnBrk="0" hangingPunct="1">
+              <a:lnSpc>
+                <a:spcPct val="90000"/>
+              </a:lnSpc>
+              <a:spcBef>
+                <a:spcPts val="500"/>
+              </a:spcBef>
+              <a:buFont typeface="Arial" panose="020B0604020202020204" pitchFamily="34" charset="0"/>
+              <a:buChar char="•"/>
+              <a:defRPr sz="1800" kern="1200">
+                <a:solidFill>
+                  <a:schemeClr val="tx1"/>
+                </a:solidFill>
+                <a:latin typeface="+mn-lt"/>
+                <a:ea typeface="+mn-ea"/>
+                <a:cs typeface="+mn-cs"/>
+              </a:defRPr>
+            </a:lvl6pPr>
+            <a:lvl7pPr marL="2971800" indent="-228600" algn="l" defTabSz="914400" rtl="0" eaLnBrk="1" latinLnBrk="0" hangingPunct="1">
+              <a:lnSpc>
+                <a:spcPct val="90000"/>
+              </a:lnSpc>
+              <a:spcBef>
+                <a:spcPts val="500"/>
+              </a:spcBef>
+              <a:buFont typeface="Arial" panose="020B0604020202020204" pitchFamily="34" charset="0"/>
+              <a:buChar char="•"/>
+              <a:defRPr sz="1800" kern="1200">
+                <a:solidFill>
+                  <a:schemeClr val="tx1"/>
+                </a:solidFill>
+                <a:latin typeface="+mn-lt"/>
+                <a:ea typeface="+mn-ea"/>
+                <a:cs typeface="+mn-cs"/>
+              </a:defRPr>
+            </a:lvl7pPr>
+            <a:lvl8pPr marL="3429000" indent="-228600" algn="l" defTabSz="914400" rtl="0" eaLnBrk="1" latinLnBrk="0" hangingPunct="1">
+              <a:lnSpc>
+                <a:spcPct val="90000"/>
+              </a:lnSpc>
+              <a:spcBef>
+                <a:spcPts val="500"/>
+              </a:spcBef>
+              <a:buFont typeface="Arial" panose="020B0604020202020204" pitchFamily="34" charset="0"/>
+              <a:buChar char="•"/>
+              <a:defRPr sz="1800" kern="1200">
+                <a:solidFill>
+                  <a:schemeClr val="tx1"/>
+                </a:solidFill>
+                <a:latin typeface="+mn-lt"/>
+                <a:ea typeface="+mn-ea"/>
+                <a:cs typeface="+mn-cs"/>
+              </a:defRPr>
+            </a:lvl8pPr>
+            <a:lvl9pPr marL="3886200" indent="-228600" algn="l" defTabSz="914400" rtl="0" eaLnBrk="1" latinLnBrk="0" hangingPunct="1">
+              <a:lnSpc>
+                <a:spcPct val="90000"/>
+              </a:lnSpc>
+              <a:spcBef>
+                <a:spcPts val="500"/>
+              </a:spcBef>
+              <a:buFont typeface="Arial" panose="020B0604020202020204" pitchFamily="34" charset="0"/>
+              <a:buChar char="•"/>
+              <a:defRPr sz="1800" kern="1200">
+                <a:solidFill>
+                  <a:schemeClr val="tx1"/>
+                </a:solidFill>
+                <a:latin typeface="+mn-lt"/>
+                <a:ea typeface="+mn-ea"/>
+                <a:cs typeface="+mn-cs"/>
+              </a:defRPr>
+            </a:lvl9pPr>
+          </a:lstStyle>
+          <a:p>
+            <a:endParaRPr lang="ja-JP" altLang="en-US" b="1" dirty="0">
+              <a:solidFill>
+                <a:srgbClr val="002060"/>
+              </a:solidFill>
+              <a:latin typeface="Bebas Neue" panose="020B0606020202050201"/>
+              <a:ea typeface="MingLiU" panose="02020509000000000000" pitchFamily="49" charset="-120"/>
+            </a:endParaRPr>
+          </a:p>
+        </p:txBody>
+      </p:sp>
+      <p:pic>
+        <p:nvPicPr>
+          <p:cNvPr id="19" name="Picture 18">
+            <a:extLst>
+              <a:ext uri="{FF2B5EF4-FFF2-40B4-BE49-F238E27FC236}">
+                <a16:creationId xmlns:a16="http://schemas.microsoft.com/office/drawing/2014/main" id="{6FB5571D-1009-469C-B7D1-31FF8F4B1FA6}"/>
+              </a:ext>
+            </a:extLst>
+          </p:cNvPr>
+          <p:cNvPicPr>
+            <a:picLocks noChangeAspect="1"/>
+          </p:cNvPicPr>
+          <p:nvPr/>
+        </p:nvPicPr>
+        <p:blipFill>
+          <a:blip r:embed="rId3">
+            <a:extLst>
+              <a:ext uri="{28A0092B-C50C-407E-A947-70E740481C1C}">
+                <a14:useLocalDpi xmlns:a14="http://schemas.microsoft.com/office/drawing/2010/main" val="0"/>
+              </a:ext>
+            </a:extLst>
+          </a:blip>
+          <a:stretch>
+            <a:fillRect/>
+          </a:stretch>
+        </p:blipFill>
+        <p:spPr>
+          <a:xfrm>
+            <a:off x="8864600" y="1742961"/>
+            <a:ext cx="1875971" cy="1875971"/>
+          </a:xfrm>
+          <a:prstGeom prst="rect">
+            <a:avLst/>
+          </a:prstGeom>
+        </p:spPr>
+      </p:pic>
+      <p:pic>
+        <p:nvPicPr>
+          <p:cNvPr id="21" name="Picture 20">
+            <a:extLst>
+              <a:ext uri="{FF2B5EF4-FFF2-40B4-BE49-F238E27FC236}">
+                <a16:creationId xmlns:a16="http://schemas.microsoft.com/office/drawing/2014/main" id="{4DA7DAA4-1E49-4217-83DD-3BCAF522FAEA}"/>
+              </a:ext>
+            </a:extLst>
+          </p:cNvPr>
+          <p:cNvPicPr>
+            <a:picLocks noChangeAspect="1"/>
+          </p:cNvPicPr>
+          <p:nvPr/>
+        </p:nvPicPr>
+        <p:blipFill>
+          <a:blip r:embed="rId4">
+            <a:extLst>
+              <a:ext uri="{28A0092B-C50C-407E-A947-70E740481C1C}">
+                <a14:useLocalDpi xmlns:a14="http://schemas.microsoft.com/office/drawing/2010/main" val="0"/>
+              </a:ext>
+            </a:extLst>
+          </a:blip>
+          <a:stretch>
+            <a:fillRect/>
+          </a:stretch>
+        </p:blipFill>
+        <p:spPr>
+          <a:xfrm>
+            <a:off x="9607639" y="4455720"/>
+            <a:ext cx="1703793" cy="1661375"/>
+          </a:xfrm>
+          <a:prstGeom prst="rect">
+            <a:avLst/>
+          </a:prstGeom>
+        </p:spPr>
+      </p:pic>
+      <p:pic>
+        <p:nvPicPr>
+          <p:cNvPr id="2" name="Picture 1">
+            <a:extLst>
+              <a:ext uri="{FF2B5EF4-FFF2-40B4-BE49-F238E27FC236}">
+                <a16:creationId xmlns:a16="http://schemas.microsoft.com/office/drawing/2014/main" id="{8DABB2E5-6AF8-4915-9089-EE778519F9A6}"/>
+              </a:ext>
+            </a:extLst>
+          </p:cNvPr>
+          <p:cNvPicPr>
+            <a:picLocks noChangeAspect="1"/>
+          </p:cNvPicPr>
+          <p:nvPr/>
+        </p:nvPicPr>
+        <p:blipFill>
+          <a:blip r:embed="rId5">
+            <a:extLst>
+              <a:ext uri="{28A0092B-C50C-407E-A947-70E740481C1C}">
+                <a14:useLocalDpi xmlns:a14="http://schemas.microsoft.com/office/drawing/2010/main" val="0"/>
+              </a:ext>
+            </a:extLst>
+          </a:blip>
+          <a:stretch>
+            <a:fillRect/>
+          </a:stretch>
+        </p:blipFill>
+        <p:spPr>
+          <a:xfrm>
+            <a:off x="418198" y="4154581"/>
+            <a:ext cx="4153493" cy="1131827"/>
+          </a:xfrm>
+          <a:prstGeom prst="rect">
+            <a:avLst/>
+          </a:prstGeom>
+        </p:spPr>
+      </p:pic>
+      <p:pic>
+        <p:nvPicPr>
+          <p:cNvPr id="4" name="Picture 3">
+            <a:extLst>
+              <a:ext uri="{FF2B5EF4-FFF2-40B4-BE49-F238E27FC236}">
+                <a16:creationId xmlns:a16="http://schemas.microsoft.com/office/drawing/2014/main" id="{E3127ADD-F939-4E64-B153-B33E1BDD3048}"/>
+              </a:ext>
+            </a:extLst>
+          </p:cNvPr>
+          <p:cNvPicPr>
+            <a:picLocks noChangeAspect="1"/>
+          </p:cNvPicPr>
+          <p:nvPr/>
+        </p:nvPicPr>
+        <p:blipFill>
+          <a:blip r:embed="rId6">
+            <a:extLst>
+              <a:ext uri="{28A0092B-C50C-407E-A947-70E740481C1C}">
+                <a14:useLocalDpi xmlns:a14="http://schemas.microsoft.com/office/drawing/2010/main" val="0"/>
+              </a:ext>
+            </a:extLst>
+          </a:blip>
+          <a:stretch>
+            <a:fillRect/>
+          </a:stretch>
+        </p:blipFill>
+        <p:spPr>
+          <a:xfrm>
+            <a:off x="1592281" y="1579735"/>
+            <a:ext cx="2258740" cy="2258740"/>
+          </a:xfrm>
+          <a:prstGeom prst="rect">
+            <a:avLst/>
+          </a:prstGeom>
+        </p:spPr>
+      </p:pic>
+      <p:pic>
+        <p:nvPicPr>
+          <p:cNvPr id="6" name="Picture 5">
+            <a:extLst>
+              <a:ext uri="{FF2B5EF4-FFF2-40B4-BE49-F238E27FC236}">
+                <a16:creationId xmlns:a16="http://schemas.microsoft.com/office/drawing/2014/main" id="{83361971-6003-427F-A0A1-DD5C646EDB30}"/>
+              </a:ext>
+            </a:extLst>
+          </p:cNvPr>
+          <p:cNvPicPr>
+            <a:picLocks noChangeAspect="1"/>
+          </p:cNvPicPr>
+          <p:nvPr/>
+        </p:nvPicPr>
+        <p:blipFill>
+          <a:blip r:embed="rId7">
+            <a:extLst>
+              <a:ext uri="{28A0092B-C50C-407E-A947-70E740481C1C}">
+                <a14:useLocalDpi xmlns:a14="http://schemas.microsoft.com/office/drawing/2010/main" val="0"/>
+              </a:ext>
+            </a:extLst>
+          </a:blip>
+          <a:stretch>
+            <a:fillRect/>
+          </a:stretch>
+        </p:blipFill>
+        <p:spPr>
+          <a:xfrm>
+            <a:off x="3084817" y="1879797"/>
+            <a:ext cx="5654948" cy="3518797"/>
+          </a:xfrm>
+          <a:prstGeom prst="rect">
+            <a:avLst/>
+          </a:prstGeom>
+        </p:spPr>
+      </p:pic>
+      <p:pic>
+        <p:nvPicPr>
+          <p:cNvPr id="12" name="Picture 11">
+            <a:extLst>
+              <a:ext uri="{FF2B5EF4-FFF2-40B4-BE49-F238E27FC236}">
+                <a16:creationId xmlns:a16="http://schemas.microsoft.com/office/drawing/2014/main" id="{5BE4FBA9-9F47-43BC-87A6-65C593416950}"/>
+              </a:ext>
+            </a:extLst>
+          </p:cNvPr>
+          <p:cNvPicPr>
+            <a:picLocks noChangeAspect="1"/>
+          </p:cNvPicPr>
+          <p:nvPr/>
+        </p:nvPicPr>
+        <p:blipFill>
+          <a:blip r:embed="rId8">
+            <a:extLst>
+              <a:ext uri="{28A0092B-C50C-407E-A947-70E740481C1C}">
+                <a14:useLocalDpi xmlns:a14="http://schemas.microsoft.com/office/drawing/2010/main" val="0"/>
+              </a:ext>
+            </a:extLst>
+          </a:blip>
+          <a:stretch>
+            <a:fillRect/>
+          </a:stretch>
+        </p:blipFill>
+        <p:spPr>
+          <a:xfrm>
+            <a:off x="2573119" y="5330610"/>
+            <a:ext cx="6678343" cy="1040708"/>
+          </a:xfrm>
+          <a:prstGeom prst="rect">
+            <a:avLst/>
+          </a:prstGeom>
+        </p:spPr>
+      </p:pic>
+    </p:spTree>
+    <p:extLst>
+      <p:ext uri="{BB962C8B-B14F-4D97-AF65-F5344CB8AC3E}">
+        <p14:creationId xmlns:p14="http://schemas.microsoft.com/office/powerpoint/2010/main" val="3816609106"/>
+      </p:ext>
+    </p:extLst>
+  </p:cSld>
+  <p:clrMapOvr>
+    <a:masterClrMapping/>
+  </p:clrMapOvr>
+  <mc:AlternateContent xmlns:mc="http://schemas.openxmlformats.org/markup-compatibility/2006" xmlns:p14="http://schemas.microsoft.com/office/powerpoint/2010/main">
+    <mc:Choice Requires="p14">
+      <p:transition p14:dur="0"/>
+    </mc:Choice>
+    <mc:Fallback xmlns="">
+      <p:transition/>
+    </mc:Fallback>
+  </mc:AlternateContent>
+</p:sld>
+</file>
+
+<file path=ppt/slides/slide12.xml><?xml version="1.0" encoding="utf-8"?>
+<p:sld xmlns:a="http://schemas.openxmlformats.org/drawingml/2006/main" xmlns:r="http://schemas.openxmlformats.org/officeDocument/2006/relationships" xmlns:p="http://schemas.openxmlformats.org/presentationml/2006/main">
+  <p:cSld>
+    <p:spTree>
+      <p:nvGrpSpPr>
+        <p:cNvPr id="1" name=""/>
+        <p:cNvGrpSpPr/>
+        <p:nvPr/>
+      </p:nvGrpSpPr>
+      <p:grpSpPr>
+        <a:xfrm>
+          <a:off x="0" y="0"/>
+          <a:ext cx="0" cy="0"/>
+          <a:chOff x="0" y="0"/>
+          <a:chExt cx="0" cy="0"/>
+        </a:xfrm>
+      </p:grpSpPr>
       <p:sp>
         <p:nvSpPr>
           <p:cNvPr id="10" name="Title 21">
@@ -17331,7 +18601,7 @@
 </p:sld>
 </file>
 
-<file path=ppt/slides/slide11.xml><?xml version="1.0" encoding="utf-8"?>
+<file path=ppt/slides/slide13.xml><?xml version="1.0" encoding="utf-8"?>
 <p:sld xmlns:a="http://schemas.openxmlformats.org/drawingml/2006/main" xmlns:r="http://schemas.openxmlformats.org/officeDocument/2006/relationships" xmlns:p="http://schemas.openxmlformats.org/presentationml/2006/main">
   <p:cSld>
     <p:spTree>
@@ -17897,7 +19167,7 @@
 </p:sld>
 </file>
 
-<file path=ppt/slides/slide12.xml><?xml version="1.0" encoding="utf-8"?>
+<file path=ppt/slides/slide14.xml><?xml version="1.0" encoding="utf-8"?>
 <p:sld xmlns:a="http://schemas.openxmlformats.org/drawingml/2006/main" xmlns:r="http://schemas.openxmlformats.org/officeDocument/2006/relationships" xmlns:p="http://schemas.openxmlformats.org/presentationml/2006/main">
   <p:cSld>
     <p:spTree>
@@ -18453,7 +19723,7 @@
 </p:sld>
 </file>
 
-<file path=ppt/slides/slide13.xml><?xml version="1.0" encoding="utf-8"?>
+<file path=ppt/slides/slide15.xml><?xml version="1.0" encoding="utf-8"?>
 <p:sld xmlns:a="http://schemas.openxmlformats.org/drawingml/2006/main" xmlns:r="http://schemas.openxmlformats.org/officeDocument/2006/relationships" xmlns:p="http://schemas.openxmlformats.org/presentationml/2006/main">
   <p:cSld>
     <p:spTree>
@@ -19179,7 +20449,7 @@
 </p:sld>
 </file>
 
-<file path=ppt/slides/slide14.xml><?xml version="1.0" encoding="utf-8"?>
+<file path=ppt/slides/slide16.xml><?xml version="1.0" encoding="utf-8"?>
 <p:sld xmlns:a="http://schemas.openxmlformats.org/drawingml/2006/main" xmlns:r="http://schemas.openxmlformats.org/officeDocument/2006/relationships" xmlns:p="http://schemas.openxmlformats.org/presentationml/2006/main">
   <p:cSld>
     <p:spTree>
@@ -19883,7 +21153,7 @@
 </p:sld>
 </file>
 
-<file path=ppt/slides/slide15.xml><?xml version="1.0" encoding="utf-8"?>
+<file path=ppt/slides/slide17.xml><?xml version="1.0" encoding="utf-8"?>
 <p:sld xmlns:a="http://schemas.openxmlformats.org/drawingml/2006/main" xmlns:r="http://schemas.openxmlformats.org/officeDocument/2006/relationships" xmlns:p="http://schemas.openxmlformats.org/presentationml/2006/main">
   <p:cSld>
     <p:spTree>
@@ -20465,7 +21735,7 @@
 </p:sld>
 </file>
 
-<file path=ppt/slides/slide16.xml><?xml version="1.0" encoding="utf-8"?>
+<file path=ppt/slides/slide18.xml><?xml version="1.0" encoding="utf-8"?>
 <p:sld xmlns:a="http://schemas.openxmlformats.org/drawingml/2006/main" xmlns:r="http://schemas.openxmlformats.org/officeDocument/2006/relationships" xmlns:p="http://schemas.openxmlformats.org/presentationml/2006/main">
   <p:cSld>
     <p:spTree>
@@ -21114,7 +22384,7 @@
 </p:sld>
 </file>
 
-<file path=ppt/slides/slide17.xml><?xml version="1.0" encoding="utf-8"?>
+<file path=ppt/slides/slide19.xml><?xml version="1.0" encoding="utf-8"?>
 <p:sld xmlns:a="http://schemas.openxmlformats.org/drawingml/2006/main" xmlns:r="http://schemas.openxmlformats.org/officeDocument/2006/relationships" xmlns:p="http://schemas.openxmlformats.org/presentationml/2006/main">
   <p:cSld>
     <p:spTree>
@@ -21696,7 +22966,301 @@
 </p:sld>
 </file>
 
-<file path=ppt/slides/slide18.xml><?xml version="1.0" encoding="utf-8"?>
+<file path=ppt/slides/slide2.xml><?xml version="1.0" encoding="utf-8"?>
+<p:sld xmlns:a="http://schemas.openxmlformats.org/drawingml/2006/main" xmlns:r="http://schemas.openxmlformats.org/officeDocument/2006/relationships" xmlns:p="http://schemas.openxmlformats.org/presentationml/2006/main">
+  <p:cSld>
+    <p:bg>
+      <p:bgPr>
+        <a:solidFill>
+          <a:schemeClr val="bg1"/>
+        </a:solidFill>
+        <a:effectLst/>
+      </p:bgPr>
+    </p:bg>
+    <p:spTree>
+      <p:nvGrpSpPr>
+        <p:cNvPr id="1" name=""/>
+        <p:cNvGrpSpPr/>
+        <p:nvPr/>
+      </p:nvGrpSpPr>
+      <p:grpSpPr>
+        <a:xfrm>
+          <a:off x="0" y="0"/>
+          <a:ext cx="0" cy="0"/>
+          <a:chOff x="0" y="0"/>
+          <a:chExt cx="0" cy="0"/>
+        </a:xfrm>
+      </p:grpSpPr>
+      <p:sp>
+        <p:nvSpPr>
+          <p:cNvPr id="8" name="Rectangle 7">
+            <a:extLst>
+              <a:ext uri="{FF2B5EF4-FFF2-40B4-BE49-F238E27FC236}">
+                <a16:creationId xmlns:a16="http://schemas.microsoft.com/office/drawing/2014/main" id="{23962611-DFD5-4092-AAFD-559E3DFCE2C9}"/>
+              </a:ext>
+              <a:ext uri="{C183D7F6-B498-43B3-948B-1728B52AA6E4}">
+                <adec:decorative xmlns:adec="http://schemas.microsoft.com/office/drawing/2017/decorative" val="1"/>
+              </a:ext>
+            </a:extLst>
+          </p:cNvPr>
+          <p:cNvSpPr>
+            <a:spLocks noGrp="1" noRot="1" noChangeAspect="1" noMove="1" noResize="1" noEditPoints="1" noAdjustHandles="1" noChangeArrowheads="1" noChangeShapeType="1" noTextEdit="1"/>
+          </p:cNvSpPr>
+          <p:nvPr>
+            <p:extLst>
+              <p:ext uri="{386F3935-93C4-4BCD-93E2-E3B085C9AB24}">
+                <p16:designElem xmlns:p16="http://schemas.microsoft.com/office/powerpoint/2015/main" val="1"/>
+              </p:ext>
+            </p:extLst>
+          </p:nvPr>
+        </p:nvSpPr>
+        <p:spPr>
+          <a:xfrm>
+            <a:off x="475488" y="0"/>
+            <a:ext cx="10910292" cy="6858000"/>
+          </a:xfrm>
+          <a:prstGeom prst="rect">
+            <a:avLst/>
+          </a:prstGeom>
+          <a:gradFill>
+            <a:gsLst>
+              <a:gs pos="0">
+                <a:schemeClr val="accent1">
+                  <a:lumMod val="90000"/>
+                </a:schemeClr>
+              </a:gs>
+              <a:gs pos="25000">
+                <a:schemeClr val="accent1">
+                  <a:lumMod val="90000"/>
+                </a:schemeClr>
+              </a:gs>
+              <a:gs pos="94000">
+                <a:schemeClr val="bg2">
+                  <a:lumMod val="25000"/>
+                </a:schemeClr>
+              </a:gs>
+              <a:gs pos="100000">
+                <a:schemeClr val="bg2">
+                  <a:lumMod val="25000"/>
+                </a:schemeClr>
+              </a:gs>
+            </a:gsLst>
+            <a:lin ang="4200000" scaled="0"/>
+          </a:gradFill>
+          <a:ln>
+            <a:noFill/>
+          </a:ln>
+        </p:spPr>
+        <p:style>
+          <a:lnRef idx="2">
+            <a:schemeClr val="accent1">
+              <a:shade val="50000"/>
+            </a:schemeClr>
+          </a:lnRef>
+          <a:fillRef idx="1">
+            <a:schemeClr val="accent1"/>
+          </a:fillRef>
+          <a:effectRef idx="0">
+            <a:schemeClr val="accent1"/>
+          </a:effectRef>
+          <a:fontRef idx="minor">
+            <a:schemeClr val="lt1"/>
+          </a:fontRef>
+        </p:style>
+        <p:txBody>
+          <a:bodyPr rtlCol="0" anchor="ctr"/>
+          <a:lstStyle/>
+          <a:p>
+            <a:pPr algn="ctr"/>
+            <a:endParaRPr lang="en-US"/>
+          </a:p>
+        </p:txBody>
+      </p:sp>
+      <p:pic>
+        <p:nvPicPr>
+          <p:cNvPr id="10" name="Picture 9">
+            <a:extLst>
+              <a:ext uri="{FF2B5EF4-FFF2-40B4-BE49-F238E27FC236}">
+                <a16:creationId xmlns:a16="http://schemas.microsoft.com/office/drawing/2014/main" id="{2270F1FA-0425-408F-9861-80BF5AFB276D}"/>
+              </a:ext>
+              <a:ext uri="{C183D7F6-B498-43B3-948B-1728B52AA6E4}">
+                <adec:decorative xmlns:adec="http://schemas.microsoft.com/office/drawing/2017/decorative" val="1"/>
+              </a:ext>
+            </a:extLst>
+          </p:cNvPr>
+          <p:cNvPicPr>
+            <a:picLocks noGrp="1" noRot="1" noChangeAspect="1" noMove="1" noResize="1" noEditPoints="1" noAdjustHandles="1" noChangeArrowheads="1" noChangeShapeType="1" noCrop="1"/>
+          </p:cNvPicPr>
+          <p:nvPr>
+            <p:extLst>
+              <p:ext uri="{386F3935-93C4-4BCD-93E2-E3B085C9AB24}">
+                <p16:designElem xmlns:p16="http://schemas.microsoft.com/office/powerpoint/2015/main" val="1"/>
+              </p:ext>
+            </p:extLst>
+          </p:nvPr>
+        </p:nvPicPr>
+        <p:blipFill>
+          <a:blip r:embed="rId2">
+            <a:extLst>
+              <a:ext uri="{28A0092B-C50C-407E-A947-70E740481C1C}">
+                <a14:useLocalDpi xmlns:a14="http://schemas.microsoft.com/office/drawing/2010/main" val="0"/>
+              </a:ext>
+            </a:extLst>
+          </a:blip>
+          <a:stretch>
+            <a:fillRect/>
+          </a:stretch>
+        </p:blipFill>
+        <p:spPr>
+          <a:xfrm>
+            <a:off x="0" y="0"/>
+            <a:ext cx="12192000" cy="6858000"/>
+          </a:xfrm>
+          <a:prstGeom prst="rect">
+            <a:avLst/>
+          </a:prstGeom>
+        </p:spPr>
+      </p:pic>
+      <p:sp>
+        <p:nvSpPr>
+          <p:cNvPr id="3" name="Subtitle 2">
+            <a:extLst>
+              <a:ext uri="{FF2B5EF4-FFF2-40B4-BE49-F238E27FC236}">
+                <a16:creationId xmlns:a16="http://schemas.microsoft.com/office/drawing/2014/main" id="{5B56FF63-58F6-478D-A860-19FC375DCFEA}"/>
+              </a:ext>
+            </a:extLst>
+          </p:cNvPr>
+          <p:cNvSpPr>
+            <a:spLocks noGrp="1"/>
+          </p:cNvSpPr>
+          <p:nvPr>
+            <p:ph type="subTitle" idx="1"/>
+          </p:nvPr>
+        </p:nvSpPr>
+        <p:spPr>
+          <a:xfrm>
+            <a:off x="3045156" y="4358675"/>
+            <a:ext cx="6105194" cy="682079"/>
+          </a:xfrm>
+        </p:spPr>
+        <p:txBody>
+          <a:bodyPr>
+            <a:normAutofit/>
+          </a:bodyPr>
+          <a:lstStyle/>
+          <a:p>
+            <a:r>
+              <a:rPr lang="en-US" altLang="ja-JP" b="1" cap="none" dirty="0">
+                <a:solidFill>
+                  <a:schemeClr val="bg1"/>
+                </a:solidFill>
+                <a:latin typeface="MingLiU" panose="02020509000000000000" pitchFamily="49" charset="-120"/>
+                <a:ea typeface="MingLiU" panose="02020509000000000000" pitchFamily="49" charset="-120"/>
+              </a:rPr>
+              <a:t>Beginner To Pro Course</a:t>
+            </a:r>
+            <a:endParaRPr lang="ja-JP" altLang="en-US" b="1" cap="none" dirty="0">
+              <a:solidFill>
+                <a:schemeClr val="bg1"/>
+              </a:solidFill>
+              <a:latin typeface="MingLiU" panose="02020509000000000000" pitchFamily="49" charset="-120"/>
+              <a:ea typeface="MingLiU" panose="02020509000000000000" pitchFamily="49" charset="-120"/>
+            </a:endParaRPr>
+          </a:p>
+        </p:txBody>
+      </p:sp>
+      <p:sp>
+        <p:nvSpPr>
+          <p:cNvPr id="22" name="Title 21">
+            <a:extLst>
+              <a:ext uri="{FF2B5EF4-FFF2-40B4-BE49-F238E27FC236}">
+                <a16:creationId xmlns:a16="http://schemas.microsoft.com/office/drawing/2014/main" id="{948EF525-92A1-4D30-93EB-2183E45F683E}"/>
+              </a:ext>
+            </a:extLst>
+          </p:cNvPr>
+          <p:cNvSpPr>
+            <a:spLocks noGrp="1"/>
+          </p:cNvSpPr>
+          <p:nvPr>
+            <p:ph type="ctrTitle"/>
+          </p:nvPr>
+        </p:nvSpPr>
+        <p:spPr>
+          <a:xfrm>
+            <a:off x="3043237" y="1970541"/>
+            <a:ext cx="6105525" cy="2032000"/>
+          </a:xfrm>
+        </p:spPr>
+        <p:txBody>
+          <a:bodyPr>
+            <a:noAutofit/>
+          </a:bodyPr>
+          <a:lstStyle/>
+          <a:p>
+            <a:r>
+              <a:rPr lang="en-US" sz="5400" b="1" dirty="0">
+                <a:solidFill>
+                  <a:schemeClr val="bg1"/>
+                </a:solidFill>
+                <a:latin typeface="AlQalam Mujeeb" panose="02000506000000020003" pitchFamily="2" charset="-78"/>
+                <a:ea typeface="MingLiU" panose="02020509000000000000" pitchFamily="49" charset="-120"/>
+                <a:cs typeface="AlQalam Mujeeb" panose="02000506000000020003" pitchFamily="2" charset="-78"/>
+              </a:rPr>
+              <a:t>Python with Django Framework</a:t>
+            </a:r>
+          </a:p>
+        </p:txBody>
+      </p:sp>
+      <p:pic>
+        <p:nvPicPr>
+          <p:cNvPr id="4" name="Picture 3">
+            <a:extLst>
+              <a:ext uri="{FF2B5EF4-FFF2-40B4-BE49-F238E27FC236}">
+                <a16:creationId xmlns:a16="http://schemas.microsoft.com/office/drawing/2014/main" id="{FD1693FE-EF0D-4D71-BA8D-9AF7CEECCA2C}"/>
+              </a:ext>
+            </a:extLst>
+          </p:cNvPr>
+          <p:cNvPicPr>
+            <a:picLocks noChangeAspect="1"/>
+          </p:cNvPicPr>
+          <p:nvPr/>
+        </p:nvPicPr>
+        <p:blipFill>
+          <a:blip r:embed="rId3" cstate="print">
+            <a:extLst>
+              <a:ext uri="{28A0092B-C50C-407E-A947-70E740481C1C}">
+                <a14:useLocalDpi xmlns:a14="http://schemas.microsoft.com/office/drawing/2010/main" val="0"/>
+              </a:ext>
+            </a:extLst>
+          </a:blip>
+          <a:stretch>
+            <a:fillRect/>
+          </a:stretch>
+        </p:blipFill>
+        <p:spPr>
+          <a:xfrm>
+            <a:off x="259178" y="5871212"/>
+            <a:ext cx="589757" cy="773930"/>
+          </a:xfrm>
+          <a:prstGeom prst="rect">
+            <a:avLst/>
+          </a:prstGeom>
+        </p:spPr>
+      </p:pic>
+    </p:spTree>
+    <p:extLst>
+      <p:ext uri="{BB962C8B-B14F-4D97-AF65-F5344CB8AC3E}">
+        <p14:creationId xmlns:p14="http://schemas.microsoft.com/office/powerpoint/2010/main" val="2955577616"/>
+      </p:ext>
+    </p:extLst>
+  </p:cSld>
+  <p:clrMapOvr>
+    <a:masterClrMapping/>
+  </p:clrMapOvr>
+</p:sld>
+</file>
+
+<file path=ppt/slides/slide20.xml><?xml version="1.0" encoding="utf-8"?>
 <p:sld xmlns:a="http://schemas.openxmlformats.org/drawingml/2006/main" xmlns:r="http://schemas.openxmlformats.org/officeDocument/2006/relationships" xmlns:p="http://schemas.openxmlformats.org/presentationml/2006/main">
   <p:cSld>
     <p:spTree>
@@ -22423,7 +23987,7 @@
 </p:sld>
 </file>
 
-<file path=ppt/slides/slide19.xml><?xml version="1.0" encoding="utf-8"?>
+<file path=ppt/slides/slide21.xml><?xml version="1.0" encoding="utf-8"?>
 <p:sld xmlns:a="http://schemas.openxmlformats.org/drawingml/2006/main" xmlns:r="http://schemas.openxmlformats.org/officeDocument/2006/relationships" xmlns:p="http://schemas.openxmlformats.org/presentationml/2006/main">
   <p:cSld>
     <p:spTree>
@@ -22924,301 +24488,7 @@
 </p:sld>
 </file>
 
-<file path=ppt/slides/slide2.xml><?xml version="1.0" encoding="utf-8"?>
-<p:sld xmlns:a="http://schemas.openxmlformats.org/drawingml/2006/main" xmlns:r="http://schemas.openxmlformats.org/officeDocument/2006/relationships" xmlns:p="http://schemas.openxmlformats.org/presentationml/2006/main">
-  <p:cSld>
-    <p:bg>
-      <p:bgPr>
-        <a:solidFill>
-          <a:schemeClr val="bg1"/>
-        </a:solidFill>
-        <a:effectLst/>
-      </p:bgPr>
-    </p:bg>
-    <p:spTree>
-      <p:nvGrpSpPr>
-        <p:cNvPr id="1" name=""/>
-        <p:cNvGrpSpPr/>
-        <p:nvPr/>
-      </p:nvGrpSpPr>
-      <p:grpSpPr>
-        <a:xfrm>
-          <a:off x="0" y="0"/>
-          <a:ext cx="0" cy="0"/>
-          <a:chOff x="0" y="0"/>
-          <a:chExt cx="0" cy="0"/>
-        </a:xfrm>
-      </p:grpSpPr>
-      <p:sp>
-        <p:nvSpPr>
-          <p:cNvPr id="8" name="Rectangle 7">
-            <a:extLst>
-              <a:ext uri="{FF2B5EF4-FFF2-40B4-BE49-F238E27FC236}">
-                <a16:creationId xmlns:a16="http://schemas.microsoft.com/office/drawing/2014/main" id="{23962611-DFD5-4092-AAFD-559E3DFCE2C9}"/>
-              </a:ext>
-              <a:ext uri="{C183D7F6-B498-43B3-948B-1728B52AA6E4}">
-                <adec:decorative xmlns:adec="http://schemas.microsoft.com/office/drawing/2017/decorative" val="1"/>
-              </a:ext>
-            </a:extLst>
-          </p:cNvPr>
-          <p:cNvSpPr>
-            <a:spLocks noGrp="1" noRot="1" noChangeAspect="1" noMove="1" noResize="1" noEditPoints="1" noAdjustHandles="1" noChangeArrowheads="1" noChangeShapeType="1" noTextEdit="1"/>
-          </p:cNvSpPr>
-          <p:nvPr>
-            <p:extLst>
-              <p:ext uri="{386F3935-93C4-4BCD-93E2-E3B085C9AB24}">
-                <p16:designElem xmlns:p16="http://schemas.microsoft.com/office/powerpoint/2015/main" val="1"/>
-              </p:ext>
-            </p:extLst>
-          </p:nvPr>
-        </p:nvSpPr>
-        <p:spPr>
-          <a:xfrm>
-            <a:off x="475488" y="0"/>
-            <a:ext cx="10910292" cy="6858000"/>
-          </a:xfrm>
-          <a:prstGeom prst="rect">
-            <a:avLst/>
-          </a:prstGeom>
-          <a:gradFill>
-            <a:gsLst>
-              <a:gs pos="0">
-                <a:schemeClr val="accent1">
-                  <a:lumMod val="90000"/>
-                </a:schemeClr>
-              </a:gs>
-              <a:gs pos="25000">
-                <a:schemeClr val="accent1">
-                  <a:lumMod val="90000"/>
-                </a:schemeClr>
-              </a:gs>
-              <a:gs pos="94000">
-                <a:schemeClr val="bg2">
-                  <a:lumMod val="25000"/>
-                </a:schemeClr>
-              </a:gs>
-              <a:gs pos="100000">
-                <a:schemeClr val="bg2">
-                  <a:lumMod val="25000"/>
-                </a:schemeClr>
-              </a:gs>
-            </a:gsLst>
-            <a:lin ang="4200000" scaled="0"/>
-          </a:gradFill>
-          <a:ln>
-            <a:noFill/>
-          </a:ln>
-        </p:spPr>
-        <p:style>
-          <a:lnRef idx="2">
-            <a:schemeClr val="accent1">
-              <a:shade val="50000"/>
-            </a:schemeClr>
-          </a:lnRef>
-          <a:fillRef idx="1">
-            <a:schemeClr val="accent1"/>
-          </a:fillRef>
-          <a:effectRef idx="0">
-            <a:schemeClr val="accent1"/>
-          </a:effectRef>
-          <a:fontRef idx="minor">
-            <a:schemeClr val="lt1"/>
-          </a:fontRef>
-        </p:style>
-        <p:txBody>
-          <a:bodyPr rtlCol="0" anchor="ctr"/>
-          <a:lstStyle/>
-          <a:p>
-            <a:pPr algn="ctr"/>
-            <a:endParaRPr lang="en-US"/>
-          </a:p>
-        </p:txBody>
-      </p:sp>
-      <p:pic>
-        <p:nvPicPr>
-          <p:cNvPr id="10" name="Picture 9">
-            <a:extLst>
-              <a:ext uri="{FF2B5EF4-FFF2-40B4-BE49-F238E27FC236}">
-                <a16:creationId xmlns:a16="http://schemas.microsoft.com/office/drawing/2014/main" id="{2270F1FA-0425-408F-9861-80BF5AFB276D}"/>
-              </a:ext>
-              <a:ext uri="{C183D7F6-B498-43B3-948B-1728B52AA6E4}">
-                <adec:decorative xmlns:adec="http://schemas.microsoft.com/office/drawing/2017/decorative" val="1"/>
-              </a:ext>
-            </a:extLst>
-          </p:cNvPr>
-          <p:cNvPicPr>
-            <a:picLocks noGrp="1" noRot="1" noChangeAspect="1" noMove="1" noResize="1" noEditPoints="1" noAdjustHandles="1" noChangeArrowheads="1" noChangeShapeType="1" noCrop="1"/>
-          </p:cNvPicPr>
-          <p:nvPr>
-            <p:extLst>
-              <p:ext uri="{386F3935-93C4-4BCD-93E2-E3B085C9AB24}">
-                <p16:designElem xmlns:p16="http://schemas.microsoft.com/office/powerpoint/2015/main" val="1"/>
-              </p:ext>
-            </p:extLst>
-          </p:nvPr>
-        </p:nvPicPr>
-        <p:blipFill>
-          <a:blip r:embed="rId2">
-            <a:extLst>
-              <a:ext uri="{28A0092B-C50C-407E-A947-70E740481C1C}">
-                <a14:useLocalDpi xmlns:a14="http://schemas.microsoft.com/office/drawing/2010/main" val="0"/>
-              </a:ext>
-            </a:extLst>
-          </a:blip>
-          <a:stretch>
-            <a:fillRect/>
-          </a:stretch>
-        </p:blipFill>
-        <p:spPr>
-          <a:xfrm>
-            <a:off x="0" y="0"/>
-            <a:ext cx="12192000" cy="6858000"/>
-          </a:xfrm>
-          <a:prstGeom prst="rect">
-            <a:avLst/>
-          </a:prstGeom>
-        </p:spPr>
-      </p:pic>
-      <p:sp>
-        <p:nvSpPr>
-          <p:cNvPr id="3" name="Subtitle 2">
-            <a:extLst>
-              <a:ext uri="{FF2B5EF4-FFF2-40B4-BE49-F238E27FC236}">
-                <a16:creationId xmlns:a16="http://schemas.microsoft.com/office/drawing/2014/main" id="{5B56FF63-58F6-478D-A860-19FC375DCFEA}"/>
-              </a:ext>
-            </a:extLst>
-          </p:cNvPr>
-          <p:cNvSpPr>
-            <a:spLocks noGrp="1"/>
-          </p:cNvSpPr>
-          <p:nvPr>
-            <p:ph type="subTitle" idx="1"/>
-          </p:nvPr>
-        </p:nvSpPr>
-        <p:spPr>
-          <a:xfrm>
-            <a:off x="3045156" y="4358675"/>
-            <a:ext cx="6105194" cy="682079"/>
-          </a:xfrm>
-        </p:spPr>
-        <p:txBody>
-          <a:bodyPr>
-            <a:normAutofit/>
-          </a:bodyPr>
-          <a:lstStyle/>
-          <a:p>
-            <a:r>
-              <a:rPr lang="en-US" altLang="ja-JP" b="1" cap="none" dirty="0">
-                <a:solidFill>
-                  <a:schemeClr val="bg1"/>
-                </a:solidFill>
-                <a:latin typeface="MingLiU" panose="02020509000000000000" pitchFamily="49" charset="-120"/>
-                <a:ea typeface="MingLiU" panose="02020509000000000000" pitchFamily="49" charset="-120"/>
-              </a:rPr>
-              <a:t>Beginner To Pro Course</a:t>
-            </a:r>
-            <a:endParaRPr lang="ja-JP" altLang="en-US" b="1" cap="none" dirty="0">
-              <a:solidFill>
-                <a:schemeClr val="bg1"/>
-              </a:solidFill>
-              <a:latin typeface="MingLiU" panose="02020509000000000000" pitchFamily="49" charset="-120"/>
-              <a:ea typeface="MingLiU" panose="02020509000000000000" pitchFamily="49" charset="-120"/>
-            </a:endParaRPr>
-          </a:p>
-        </p:txBody>
-      </p:sp>
-      <p:sp>
-        <p:nvSpPr>
-          <p:cNvPr id="22" name="Title 21">
-            <a:extLst>
-              <a:ext uri="{FF2B5EF4-FFF2-40B4-BE49-F238E27FC236}">
-                <a16:creationId xmlns:a16="http://schemas.microsoft.com/office/drawing/2014/main" id="{948EF525-92A1-4D30-93EB-2183E45F683E}"/>
-              </a:ext>
-            </a:extLst>
-          </p:cNvPr>
-          <p:cNvSpPr>
-            <a:spLocks noGrp="1"/>
-          </p:cNvSpPr>
-          <p:nvPr>
-            <p:ph type="ctrTitle"/>
-          </p:nvPr>
-        </p:nvSpPr>
-        <p:spPr>
-          <a:xfrm>
-            <a:off x="3043237" y="1970541"/>
-            <a:ext cx="6105525" cy="2032000"/>
-          </a:xfrm>
-        </p:spPr>
-        <p:txBody>
-          <a:bodyPr>
-            <a:noAutofit/>
-          </a:bodyPr>
-          <a:lstStyle/>
-          <a:p>
-            <a:r>
-              <a:rPr lang="en-US" sz="5400" b="1" dirty="0">
-                <a:solidFill>
-                  <a:schemeClr val="bg1"/>
-                </a:solidFill>
-                <a:latin typeface="AlQalam Mujeeb" panose="02000506000000020003" pitchFamily="2" charset="-78"/>
-                <a:ea typeface="MingLiU" panose="02020509000000000000" pitchFamily="49" charset="-120"/>
-                <a:cs typeface="AlQalam Mujeeb" panose="02000506000000020003" pitchFamily="2" charset="-78"/>
-              </a:rPr>
-              <a:t>Python with Django Framework</a:t>
-            </a:r>
-          </a:p>
-        </p:txBody>
-      </p:sp>
-      <p:pic>
-        <p:nvPicPr>
-          <p:cNvPr id="4" name="Picture 3">
-            <a:extLst>
-              <a:ext uri="{FF2B5EF4-FFF2-40B4-BE49-F238E27FC236}">
-                <a16:creationId xmlns:a16="http://schemas.microsoft.com/office/drawing/2014/main" id="{FD1693FE-EF0D-4D71-BA8D-9AF7CEECCA2C}"/>
-              </a:ext>
-            </a:extLst>
-          </p:cNvPr>
-          <p:cNvPicPr>
-            <a:picLocks noChangeAspect="1"/>
-          </p:cNvPicPr>
-          <p:nvPr/>
-        </p:nvPicPr>
-        <p:blipFill>
-          <a:blip r:embed="rId3" cstate="print">
-            <a:extLst>
-              <a:ext uri="{28A0092B-C50C-407E-A947-70E740481C1C}">
-                <a14:useLocalDpi xmlns:a14="http://schemas.microsoft.com/office/drawing/2010/main" val="0"/>
-              </a:ext>
-            </a:extLst>
-          </a:blip>
-          <a:stretch>
-            <a:fillRect/>
-          </a:stretch>
-        </p:blipFill>
-        <p:spPr>
-          <a:xfrm>
-            <a:off x="259178" y="5871212"/>
-            <a:ext cx="589757" cy="773930"/>
-          </a:xfrm>
-          <a:prstGeom prst="rect">
-            <a:avLst/>
-          </a:prstGeom>
-        </p:spPr>
-      </p:pic>
-    </p:spTree>
-    <p:extLst>
-      <p:ext uri="{BB962C8B-B14F-4D97-AF65-F5344CB8AC3E}">
-        <p14:creationId xmlns:p14="http://schemas.microsoft.com/office/powerpoint/2010/main" val="2955577616"/>
-      </p:ext>
-    </p:extLst>
-  </p:cSld>
-  <p:clrMapOvr>
-    <a:masterClrMapping/>
-  </p:clrMapOvr>
-</p:sld>
-</file>
-
-<file path=ppt/slides/slide20.xml><?xml version="1.0" encoding="utf-8"?>
+<file path=ppt/slides/slide22.xml><?xml version="1.0" encoding="utf-8"?>
 <p:sld xmlns:a="http://schemas.openxmlformats.org/drawingml/2006/main" xmlns:r="http://schemas.openxmlformats.org/officeDocument/2006/relationships" xmlns:p="http://schemas.openxmlformats.org/presentationml/2006/main">
   <p:cSld>
     <p:spTree>
@@ -23627,7 +24897,7 @@
 </p:sld>
 </file>
 
-<file path=ppt/slides/slide21.xml><?xml version="1.0" encoding="utf-8"?>
+<file path=ppt/slides/slide23.xml><?xml version="1.0" encoding="utf-8"?>
 <p:sld xmlns:a="http://schemas.openxmlformats.org/drawingml/2006/main" xmlns:r="http://schemas.openxmlformats.org/officeDocument/2006/relationships" xmlns:p="http://schemas.openxmlformats.org/presentationml/2006/main">
   <p:cSld>
     <p:spTree>
@@ -23738,7 +25008,7 @@
 </p:sld>
 </file>
 
-<file path=ppt/slides/slide22.xml><?xml version="1.0" encoding="utf-8"?>
+<file path=ppt/slides/slide24.xml><?xml version="1.0" encoding="utf-8"?>
 <p:sld xmlns:a="http://schemas.openxmlformats.org/drawingml/2006/main" xmlns:r="http://schemas.openxmlformats.org/officeDocument/2006/relationships" xmlns:p="http://schemas.openxmlformats.org/presentationml/2006/main">
   <p:cSld>
     <p:spTree>
@@ -24497,8 +25767,8 @@
         </p:blipFill>
         <p:spPr>
           <a:xfrm>
-            <a:off x="-2540" y="1984150"/>
-            <a:ext cx="12192001" cy="3584372"/>
+            <a:off x="-115910" y="1984150"/>
+            <a:ext cx="12466749" cy="3584372"/>
           </a:xfrm>
           <a:prstGeom prst="rect">
             <a:avLst/>
